--- a/Tables and Stats.pptx
+++ b/Tables and Stats.pptx
@@ -12,6 +12,7 @@
     <p:sldId id="261" r:id="rId6"/>
     <p:sldId id="257" r:id="rId7"/>
     <p:sldId id="258" r:id="rId8"/>
+    <p:sldId id="264" r:id="rId9"/>
   </p:sldIdLst>
   <p:sldSz cx="9144000" cy="6858000" type="screen4x3"/>
   <p:notesSz cx="6858000" cy="9144000"/>
@@ -294,7 +295,7 @@
           <a:p>
             <a:fld id="{37855E56-D1A6-4393-8823-57F95747D210}" type="datetimeFigureOut">
               <a:rPr lang="en-US" smtClean="0"/>
-              <a:t>12/4/2014</a:t>
+              <a:t>12/5/2014</a:t>
             </a:fld>
             <a:endParaRPr lang="en-US"/>
           </a:p>
@@ -464,7 +465,7 @@
           <a:p>
             <a:fld id="{37855E56-D1A6-4393-8823-57F95747D210}" type="datetimeFigureOut">
               <a:rPr lang="en-US" smtClean="0"/>
-              <a:t>12/4/2014</a:t>
+              <a:t>12/5/2014</a:t>
             </a:fld>
             <a:endParaRPr lang="en-US"/>
           </a:p>
@@ -644,7 +645,7 @@
           <a:p>
             <a:fld id="{37855E56-D1A6-4393-8823-57F95747D210}" type="datetimeFigureOut">
               <a:rPr lang="en-US" smtClean="0"/>
-              <a:t>12/4/2014</a:t>
+              <a:t>12/5/2014</a:t>
             </a:fld>
             <a:endParaRPr lang="en-US"/>
           </a:p>
@@ -814,7 +815,7 @@
           <a:p>
             <a:fld id="{37855E56-D1A6-4393-8823-57F95747D210}" type="datetimeFigureOut">
               <a:rPr lang="en-US" smtClean="0"/>
-              <a:t>12/4/2014</a:t>
+              <a:t>12/5/2014</a:t>
             </a:fld>
             <a:endParaRPr lang="en-US"/>
           </a:p>
@@ -1060,7 +1061,7 @@
           <a:p>
             <a:fld id="{37855E56-D1A6-4393-8823-57F95747D210}" type="datetimeFigureOut">
               <a:rPr lang="en-US" smtClean="0"/>
-              <a:t>12/4/2014</a:t>
+              <a:t>12/5/2014</a:t>
             </a:fld>
             <a:endParaRPr lang="en-US"/>
           </a:p>
@@ -1348,7 +1349,7 @@
           <a:p>
             <a:fld id="{37855E56-D1A6-4393-8823-57F95747D210}" type="datetimeFigureOut">
               <a:rPr lang="en-US" smtClean="0"/>
-              <a:t>12/4/2014</a:t>
+              <a:t>12/5/2014</a:t>
             </a:fld>
             <a:endParaRPr lang="en-US"/>
           </a:p>
@@ -1770,7 +1771,7 @@
           <a:p>
             <a:fld id="{37855E56-D1A6-4393-8823-57F95747D210}" type="datetimeFigureOut">
               <a:rPr lang="en-US" smtClean="0"/>
-              <a:t>12/4/2014</a:t>
+              <a:t>12/5/2014</a:t>
             </a:fld>
             <a:endParaRPr lang="en-US"/>
           </a:p>
@@ -1888,7 +1889,7 @@
           <a:p>
             <a:fld id="{37855E56-D1A6-4393-8823-57F95747D210}" type="datetimeFigureOut">
               <a:rPr lang="en-US" smtClean="0"/>
-              <a:t>12/4/2014</a:t>
+              <a:t>12/5/2014</a:t>
             </a:fld>
             <a:endParaRPr lang="en-US"/>
           </a:p>
@@ -1983,7 +1984,7 @@
           <a:p>
             <a:fld id="{37855E56-D1A6-4393-8823-57F95747D210}" type="datetimeFigureOut">
               <a:rPr lang="en-US" smtClean="0"/>
-              <a:t>12/4/2014</a:t>
+              <a:t>12/5/2014</a:t>
             </a:fld>
             <a:endParaRPr lang="en-US"/>
           </a:p>
@@ -2260,7 +2261,7 @@
           <a:p>
             <a:fld id="{37855E56-D1A6-4393-8823-57F95747D210}" type="datetimeFigureOut">
               <a:rPr lang="en-US" smtClean="0"/>
-              <a:t>12/4/2014</a:t>
+              <a:t>12/5/2014</a:t>
             </a:fld>
             <a:endParaRPr lang="en-US"/>
           </a:p>
@@ -2513,7 +2514,7 @@
           <a:p>
             <a:fld id="{37855E56-D1A6-4393-8823-57F95747D210}" type="datetimeFigureOut">
               <a:rPr lang="en-US" smtClean="0"/>
-              <a:t>12/4/2014</a:t>
+              <a:t>12/5/2014</a:t>
             </a:fld>
             <a:endParaRPr lang="en-US"/>
           </a:p>
@@ -2726,7 +2727,7 @@
           <a:p>
             <a:fld id="{37855E56-D1A6-4393-8823-57F95747D210}" type="datetimeFigureOut">
               <a:rPr lang="en-US" smtClean="0"/>
-              <a:t>12/4/2014</a:t>
+              <a:t>12/5/2014</a:t>
             </a:fld>
             <a:endParaRPr lang="en-US"/>
           </a:p>
@@ -5012,11 +5013,7 @@
                     <a:p>
                       <a:r>
                         <a:rPr lang="en-US" baseline="0" dirty="0" smtClean="0"/>
-                        <a:t>100* (</a:t>
-                      </a:r>
-                      <a:r>
-                        <a:rPr lang="en-US" baseline="0" dirty="0" smtClean="0"/>
-                        <a:t>stride_max/</a:t>
+                        <a:t>100* (stride_max/</a:t>
                       </a:r>
                       <a:r>
                         <a:rPr lang="en-US" baseline="0" dirty="0" err="1" smtClean="0"/>
@@ -5758,8 +5755,8 @@
           </a:p>
         </p:txBody>
       </p:sp>
-      <mc:AlternateContent xmlns:mc="http://schemas.openxmlformats.org/markup-compatibility/2006">
-        <mc:Choice xmlns:a14="http://schemas.microsoft.com/office/drawing/2010/main" Requires="a14">
+      <mc:AlternateContent xmlns:mc="http://schemas.openxmlformats.org/markup-compatibility/2006" xmlns:a14="http://schemas.microsoft.com/office/drawing/2010/main">
+        <mc:Choice Requires="a14">
           <p:sp>
             <p:nvSpPr>
               <p:cNvPr id="3" name="Content Placeholder 2"/>
@@ -6106,7 +6103,7 @@
             </p:txBody>
           </p:sp>
         </mc:Choice>
-        <mc:Fallback>
+        <mc:Fallback xmlns="">
           <p:sp>
             <p:nvSpPr>
               <p:cNvPr id="3" name="Content Placeholder 2"/>
@@ -6144,6 +6141,1392 @@
     <p:extLst>
       <p:ext uri="{BB962C8B-B14F-4D97-AF65-F5344CB8AC3E}">
         <p14:creationId xmlns:p14="http://schemas.microsoft.com/office/powerpoint/2010/main" val="2135191095"/>
+      </p:ext>
+    </p:extLst>
+  </p:cSld>
+  <p:clrMapOvr>
+    <a:masterClrMapping/>
+  </p:clrMapOvr>
+  <p:timing>
+    <p:tnLst>
+      <p:par>
+        <p:cTn id="1" dur="indefinite" restart="never" nodeType="tmRoot"/>
+      </p:par>
+    </p:tnLst>
+  </p:timing>
+</p:sld>
+</file>
+
+<file path=ppt/slides/slide8.xml><?xml version="1.0" encoding="utf-8"?>
+<p:sld xmlns:a="http://schemas.openxmlformats.org/drawingml/2006/main" xmlns:r="http://schemas.openxmlformats.org/officeDocument/2006/relationships" xmlns:p="http://schemas.openxmlformats.org/presentationml/2006/main">
+  <p:cSld>
+    <p:spTree>
+      <p:nvGrpSpPr>
+        <p:cNvPr id="1" name=""/>
+        <p:cNvGrpSpPr/>
+        <p:nvPr/>
+      </p:nvGrpSpPr>
+      <p:grpSpPr>
+        <a:xfrm>
+          <a:off x="0" y="0"/>
+          <a:ext cx="0" cy="0"/>
+          <a:chOff x="0" y="0"/>
+          <a:chExt cx="0" cy="0"/>
+        </a:xfrm>
+      </p:grpSpPr>
+      <p:sp>
+        <p:nvSpPr>
+          <p:cNvPr id="2" name="Title 1"/>
+          <p:cNvSpPr>
+            <a:spLocks noGrp="1"/>
+          </p:cNvSpPr>
+          <p:nvPr>
+            <p:ph type="title"/>
+          </p:nvPr>
+        </p:nvSpPr>
+        <p:spPr/>
+        <p:txBody>
+          <a:bodyPr/>
+          <a:lstStyle/>
+          <a:p>
+            <a:endParaRPr lang="en-US"/>
+          </a:p>
+        </p:txBody>
+      </p:sp>
+      <p:pic>
+        <p:nvPicPr>
+          <p:cNvPr id="1026" name="Picture 2" descr="C:\Users\Jeff Lau\SkyDrive\Documents\Classes\18-798\final project\18-798-Final-Project\Kinect Image\kinect_img.png"/>
+          <p:cNvPicPr>
+            <a:picLocks noChangeAspect="1" noChangeArrowheads="1"/>
+          </p:cNvPicPr>
+          <p:nvPr/>
+        </p:nvPicPr>
+        <p:blipFill>
+          <a:blip r:embed="rId2">
+            <a:extLst>
+              <a:ext uri="{28A0092B-C50C-407E-A947-70E740481C1C}">
+                <a14:useLocalDpi xmlns:a14="http://schemas.microsoft.com/office/drawing/2010/main" val="0"/>
+              </a:ext>
+            </a:extLst>
+          </a:blip>
+          <a:srcRect/>
+          <a:stretch>
+            <a:fillRect/>
+          </a:stretch>
+        </p:blipFill>
+        <p:spPr bwMode="auto">
+          <a:xfrm>
+            <a:off x="781050" y="3657600"/>
+            <a:ext cx="3886200" cy="2914650"/>
+          </a:xfrm>
+          <a:prstGeom prst="rect">
+            <a:avLst/>
+          </a:prstGeom>
+          <a:noFill/>
+          <a:extLst>
+            <a:ext uri="{909E8E84-426E-40DD-AFC4-6F175D3DCCD1}">
+              <a14:hiddenFill xmlns:a14="http://schemas.microsoft.com/office/drawing/2010/main">
+                <a:solidFill>
+                  <a:srgbClr val="FFFFFF"/>
+                </a:solidFill>
+              </a14:hiddenFill>
+            </a:ext>
+          </a:extLst>
+        </p:spPr>
+      </p:pic>
+      <p:sp>
+        <p:nvSpPr>
+          <p:cNvPr id="4" name="TextBox 3"/>
+          <p:cNvSpPr txBox="1"/>
+          <p:nvPr/>
+        </p:nvSpPr>
+        <p:spPr>
+          <a:xfrm>
+            <a:off x="781050" y="2514600"/>
+            <a:ext cx="3886200" cy="923330"/>
+          </a:xfrm>
+          <a:prstGeom prst="rect">
+            <a:avLst/>
+          </a:prstGeom>
+          <a:noFill/>
+        </p:spPr>
+        <p:txBody>
+          <a:bodyPr wrap="square" rtlCol="0">
+            <a:spAutoFit/>
+          </a:bodyPr>
+          <a:lstStyle/>
+          <a:p>
+            <a:r>
+              <a:rPr lang="en-US" dirty="0" smtClean="0"/>
+              <a:t>Kinect Image</a:t>
+            </a:r>
+          </a:p>
+          <a:p>
+            <a:r>
+              <a:rPr lang="en-US" dirty="0" smtClean="0"/>
+              <a:t>Column Score Sequence:</a:t>
+            </a:r>
+          </a:p>
+          <a:p>
+            <a:r>
+              <a:rPr lang="en-US" dirty="0" smtClean="0"/>
+              <a:t>0 35 140 85 79 65 30 45 40 50 75 140 0</a:t>
+            </a:r>
+            <a:endParaRPr lang="en-US" dirty="0"/>
+          </a:p>
+        </p:txBody>
+      </p:sp>
+      <p:pic>
+        <p:nvPicPr>
+          <p:cNvPr id="1027" name="Picture 3" descr="C:\Users\Jeff Lau\SkyDrive\Documents\Classes\18-798\final project\18-798-Final-Project\Image Files\Exaggerated_Stride.png"/>
+          <p:cNvPicPr>
+            <a:picLocks noChangeAspect="1" noChangeArrowheads="1"/>
+          </p:cNvPicPr>
+          <p:nvPr/>
+        </p:nvPicPr>
+        <p:blipFill>
+          <a:blip r:embed="rId3">
+            <a:extLst>
+              <a:ext uri="{28A0092B-C50C-407E-A947-70E740481C1C}">
+                <a14:useLocalDpi xmlns:a14="http://schemas.microsoft.com/office/drawing/2010/main" val="0"/>
+              </a:ext>
+            </a:extLst>
+          </a:blip>
+          <a:srcRect/>
+          <a:stretch>
+            <a:fillRect/>
+          </a:stretch>
+        </p:blipFill>
+        <p:spPr bwMode="auto">
+          <a:xfrm>
+            <a:off x="5029200" y="3657600"/>
+            <a:ext cx="3886200" cy="2914650"/>
+          </a:xfrm>
+          <a:prstGeom prst="rect">
+            <a:avLst/>
+          </a:prstGeom>
+          <a:noFill/>
+          <a:extLst>
+            <a:ext uri="{909E8E84-426E-40DD-AFC4-6F175D3DCCD1}">
+              <a14:hiddenFill xmlns:a14="http://schemas.microsoft.com/office/drawing/2010/main">
+                <a:solidFill>
+                  <a:srgbClr val="FFFFFF"/>
+                </a:solidFill>
+              </a14:hiddenFill>
+            </a:ext>
+          </a:extLst>
+        </p:spPr>
+      </p:pic>
+      <p:sp>
+        <p:nvSpPr>
+          <p:cNvPr id="7" name="TextBox 6"/>
+          <p:cNvSpPr txBox="1"/>
+          <p:nvPr/>
+        </p:nvSpPr>
+        <p:spPr>
+          <a:xfrm>
+            <a:off x="4953000" y="2514600"/>
+            <a:ext cx="3886200" cy="923330"/>
+          </a:xfrm>
+          <a:prstGeom prst="rect">
+            <a:avLst/>
+          </a:prstGeom>
+          <a:noFill/>
+        </p:spPr>
+        <p:txBody>
+          <a:bodyPr wrap="square" rtlCol="0">
+            <a:spAutoFit/>
+          </a:bodyPr>
+          <a:lstStyle/>
+          <a:p>
+            <a:r>
+              <a:rPr lang="en-US" dirty="0" smtClean="0"/>
+              <a:t>Database Image</a:t>
+            </a:r>
+          </a:p>
+          <a:p>
+            <a:r>
+              <a:rPr lang="en-US" dirty="0" smtClean="0"/>
+              <a:t>Column Score Sequence:</a:t>
+            </a:r>
+          </a:p>
+          <a:p>
+            <a:r>
+              <a:rPr lang="en-US" dirty="0" smtClean="0"/>
+              <a:t>0 35 45 50 45 40 30 45 40 30 0 0 0 0 0</a:t>
+            </a:r>
+            <a:endParaRPr lang="en-US" dirty="0"/>
+          </a:p>
+        </p:txBody>
+      </p:sp>
+      <p:cxnSp>
+        <p:nvCxnSpPr>
+          <p:cNvPr id="6" name="Straight Connector 5"/>
+          <p:cNvCxnSpPr/>
+          <p:nvPr/>
+        </p:nvCxnSpPr>
+        <p:spPr>
+          <a:xfrm>
+            <a:off x="914400" y="3437930"/>
+            <a:ext cx="0" cy="3267670"/>
+          </a:xfrm>
+          <a:prstGeom prst="line">
+            <a:avLst/>
+          </a:prstGeom>
+          <a:ln w="19050">
+            <a:solidFill>
+              <a:srgbClr val="FF0000"/>
+            </a:solidFill>
+          </a:ln>
+        </p:spPr>
+        <p:style>
+          <a:lnRef idx="1">
+            <a:schemeClr val="accent1"/>
+          </a:lnRef>
+          <a:fillRef idx="0">
+            <a:schemeClr val="accent1"/>
+          </a:fillRef>
+          <a:effectRef idx="0">
+            <a:schemeClr val="accent1"/>
+          </a:effectRef>
+          <a:fontRef idx="minor">
+            <a:schemeClr val="tx1"/>
+          </a:fontRef>
+        </p:style>
+      </p:cxnSp>
+      <p:cxnSp>
+        <p:nvCxnSpPr>
+          <p:cNvPr id="10" name="Straight Connector 9"/>
+          <p:cNvCxnSpPr/>
+          <p:nvPr/>
+        </p:nvCxnSpPr>
+        <p:spPr>
+          <a:xfrm>
+            <a:off x="1143000" y="3437335"/>
+            <a:ext cx="0" cy="3267670"/>
+          </a:xfrm>
+          <a:prstGeom prst="line">
+            <a:avLst/>
+          </a:prstGeom>
+          <a:ln w="19050">
+            <a:solidFill>
+              <a:srgbClr val="FF0000"/>
+            </a:solidFill>
+          </a:ln>
+        </p:spPr>
+        <p:style>
+          <a:lnRef idx="1">
+            <a:schemeClr val="accent1"/>
+          </a:lnRef>
+          <a:fillRef idx="0">
+            <a:schemeClr val="accent1"/>
+          </a:fillRef>
+          <a:effectRef idx="0">
+            <a:schemeClr val="accent1"/>
+          </a:effectRef>
+          <a:fontRef idx="minor">
+            <a:schemeClr val="tx1"/>
+          </a:fontRef>
+        </p:style>
+      </p:cxnSp>
+      <p:cxnSp>
+        <p:nvCxnSpPr>
+          <p:cNvPr id="11" name="Straight Connector 10"/>
+          <p:cNvCxnSpPr/>
+          <p:nvPr/>
+        </p:nvCxnSpPr>
+        <p:spPr>
+          <a:xfrm>
+            <a:off x="1447800" y="3437930"/>
+            <a:ext cx="0" cy="3267670"/>
+          </a:xfrm>
+          <a:prstGeom prst="line">
+            <a:avLst/>
+          </a:prstGeom>
+          <a:ln w="19050">
+            <a:solidFill>
+              <a:srgbClr val="FF0000"/>
+            </a:solidFill>
+          </a:ln>
+        </p:spPr>
+        <p:style>
+          <a:lnRef idx="1">
+            <a:schemeClr val="accent1"/>
+          </a:lnRef>
+          <a:fillRef idx="0">
+            <a:schemeClr val="accent1"/>
+          </a:fillRef>
+          <a:effectRef idx="0">
+            <a:schemeClr val="accent1"/>
+          </a:effectRef>
+          <a:fontRef idx="minor">
+            <a:schemeClr val="tx1"/>
+          </a:fontRef>
+        </p:style>
+      </p:cxnSp>
+      <p:cxnSp>
+        <p:nvCxnSpPr>
+          <p:cNvPr id="12" name="Straight Connector 11"/>
+          <p:cNvCxnSpPr/>
+          <p:nvPr/>
+        </p:nvCxnSpPr>
+        <p:spPr>
+          <a:xfrm>
+            <a:off x="1828800" y="3429000"/>
+            <a:ext cx="0" cy="3267670"/>
+          </a:xfrm>
+          <a:prstGeom prst="line">
+            <a:avLst/>
+          </a:prstGeom>
+          <a:ln w="19050">
+            <a:solidFill>
+              <a:srgbClr val="FF0000"/>
+            </a:solidFill>
+          </a:ln>
+        </p:spPr>
+        <p:style>
+          <a:lnRef idx="1">
+            <a:schemeClr val="accent1"/>
+          </a:lnRef>
+          <a:fillRef idx="0">
+            <a:schemeClr val="accent1"/>
+          </a:fillRef>
+          <a:effectRef idx="0">
+            <a:schemeClr val="accent1"/>
+          </a:effectRef>
+          <a:fontRef idx="minor">
+            <a:schemeClr val="tx1"/>
+          </a:fontRef>
+        </p:style>
+      </p:cxnSp>
+      <p:cxnSp>
+        <p:nvCxnSpPr>
+          <p:cNvPr id="13" name="Straight Connector 12"/>
+          <p:cNvCxnSpPr/>
+          <p:nvPr/>
+        </p:nvCxnSpPr>
+        <p:spPr>
+          <a:xfrm>
+            <a:off x="2133600" y="3429000"/>
+            <a:ext cx="0" cy="3267670"/>
+          </a:xfrm>
+          <a:prstGeom prst="line">
+            <a:avLst/>
+          </a:prstGeom>
+          <a:ln w="19050">
+            <a:solidFill>
+              <a:srgbClr val="FF0000"/>
+            </a:solidFill>
+          </a:ln>
+        </p:spPr>
+        <p:style>
+          <a:lnRef idx="1">
+            <a:schemeClr val="accent1"/>
+          </a:lnRef>
+          <a:fillRef idx="0">
+            <a:schemeClr val="accent1"/>
+          </a:fillRef>
+          <a:effectRef idx="0">
+            <a:schemeClr val="accent1"/>
+          </a:effectRef>
+          <a:fontRef idx="minor">
+            <a:schemeClr val="tx1"/>
+          </a:fontRef>
+        </p:style>
+      </p:cxnSp>
+      <p:cxnSp>
+        <p:nvCxnSpPr>
+          <p:cNvPr id="14" name="Straight Connector 13"/>
+          <p:cNvCxnSpPr/>
+          <p:nvPr/>
+        </p:nvCxnSpPr>
+        <p:spPr>
+          <a:xfrm>
+            <a:off x="2438400" y="3429000"/>
+            <a:ext cx="0" cy="3267670"/>
+          </a:xfrm>
+          <a:prstGeom prst="line">
+            <a:avLst/>
+          </a:prstGeom>
+          <a:ln w="19050">
+            <a:solidFill>
+              <a:srgbClr val="FF0000"/>
+            </a:solidFill>
+          </a:ln>
+        </p:spPr>
+        <p:style>
+          <a:lnRef idx="1">
+            <a:schemeClr val="accent1"/>
+          </a:lnRef>
+          <a:fillRef idx="0">
+            <a:schemeClr val="accent1"/>
+          </a:fillRef>
+          <a:effectRef idx="0">
+            <a:schemeClr val="accent1"/>
+          </a:effectRef>
+          <a:fontRef idx="minor">
+            <a:schemeClr val="tx1"/>
+          </a:fontRef>
+        </p:style>
+      </p:cxnSp>
+      <p:cxnSp>
+        <p:nvCxnSpPr>
+          <p:cNvPr id="15" name="Straight Connector 14"/>
+          <p:cNvCxnSpPr/>
+          <p:nvPr/>
+        </p:nvCxnSpPr>
+        <p:spPr>
+          <a:xfrm>
+            <a:off x="2743200" y="3429000"/>
+            <a:ext cx="0" cy="3267670"/>
+          </a:xfrm>
+          <a:prstGeom prst="line">
+            <a:avLst/>
+          </a:prstGeom>
+          <a:ln w="19050">
+            <a:solidFill>
+              <a:srgbClr val="FF0000"/>
+            </a:solidFill>
+          </a:ln>
+        </p:spPr>
+        <p:style>
+          <a:lnRef idx="1">
+            <a:schemeClr val="accent1"/>
+          </a:lnRef>
+          <a:fillRef idx="0">
+            <a:schemeClr val="accent1"/>
+          </a:fillRef>
+          <a:effectRef idx="0">
+            <a:schemeClr val="accent1"/>
+          </a:effectRef>
+          <a:fontRef idx="minor">
+            <a:schemeClr val="tx1"/>
+          </a:fontRef>
+        </p:style>
+      </p:cxnSp>
+      <p:cxnSp>
+        <p:nvCxnSpPr>
+          <p:cNvPr id="16" name="Straight Connector 15"/>
+          <p:cNvCxnSpPr/>
+          <p:nvPr/>
+        </p:nvCxnSpPr>
+        <p:spPr>
+          <a:xfrm>
+            <a:off x="3048000" y="3429000"/>
+            <a:ext cx="0" cy="3267670"/>
+          </a:xfrm>
+          <a:prstGeom prst="line">
+            <a:avLst/>
+          </a:prstGeom>
+          <a:ln w="19050">
+            <a:solidFill>
+              <a:srgbClr val="FF0000"/>
+            </a:solidFill>
+          </a:ln>
+        </p:spPr>
+        <p:style>
+          <a:lnRef idx="1">
+            <a:schemeClr val="accent1"/>
+          </a:lnRef>
+          <a:fillRef idx="0">
+            <a:schemeClr val="accent1"/>
+          </a:fillRef>
+          <a:effectRef idx="0">
+            <a:schemeClr val="accent1"/>
+          </a:effectRef>
+          <a:fontRef idx="minor">
+            <a:schemeClr val="tx1"/>
+          </a:fontRef>
+        </p:style>
+      </p:cxnSp>
+      <p:cxnSp>
+        <p:nvCxnSpPr>
+          <p:cNvPr id="17" name="Straight Connector 16"/>
+          <p:cNvCxnSpPr/>
+          <p:nvPr/>
+        </p:nvCxnSpPr>
+        <p:spPr>
+          <a:xfrm>
+            <a:off x="3276600" y="3429000"/>
+            <a:ext cx="0" cy="3267670"/>
+          </a:xfrm>
+          <a:prstGeom prst="line">
+            <a:avLst/>
+          </a:prstGeom>
+          <a:ln w="19050">
+            <a:solidFill>
+              <a:srgbClr val="FF0000"/>
+            </a:solidFill>
+          </a:ln>
+        </p:spPr>
+        <p:style>
+          <a:lnRef idx="1">
+            <a:schemeClr val="accent1"/>
+          </a:lnRef>
+          <a:fillRef idx="0">
+            <a:schemeClr val="accent1"/>
+          </a:fillRef>
+          <a:effectRef idx="0">
+            <a:schemeClr val="accent1"/>
+          </a:effectRef>
+          <a:fontRef idx="minor">
+            <a:schemeClr val="tx1"/>
+          </a:fontRef>
+        </p:style>
+      </p:cxnSp>
+      <p:cxnSp>
+        <p:nvCxnSpPr>
+          <p:cNvPr id="18" name="Straight Connector 17"/>
+          <p:cNvCxnSpPr/>
+          <p:nvPr/>
+        </p:nvCxnSpPr>
+        <p:spPr>
+          <a:xfrm>
+            <a:off x="3581400" y="3429000"/>
+            <a:ext cx="0" cy="3267670"/>
+          </a:xfrm>
+          <a:prstGeom prst="line">
+            <a:avLst/>
+          </a:prstGeom>
+          <a:ln w="19050">
+            <a:solidFill>
+              <a:srgbClr val="FF0000"/>
+            </a:solidFill>
+          </a:ln>
+        </p:spPr>
+        <p:style>
+          <a:lnRef idx="1">
+            <a:schemeClr val="accent1"/>
+          </a:lnRef>
+          <a:fillRef idx="0">
+            <a:schemeClr val="accent1"/>
+          </a:fillRef>
+          <a:effectRef idx="0">
+            <a:schemeClr val="accent1"/>
+          </a:effectRef>
+          <a:fontRef idx="minor">
+            <a:schemeClr val="tx1"/>
+          </a:fontRef>
+        </p:style>
+      </p:cxnSp>
+      <p:cxnSp>
+        <p:nvCxnSpPr>
+          <p:cNvPr id="19" name="Straight Connector 18"/>
+          <p:cNvCxnSpPr/>
+          <p:nvPr/>
+        </p:nvCxnSpPr>
+        <p:spPr>
+          <a:xfrm>
+            <a:off x="3810000" y="3429000"/>
+            <a:ext cx="0" cy="3267670"/>
+          </a:xfrm>
+          <a:prstGeom prst="line">
+            <a:avLst/>
+          </a:prstGeom>
+          <a:ln w="19050">
+            <a:solidFill>
+              <a:srgbClr val="FF0000"/>
+            </a:solidFill>
+          </a:ln>
+        </p:spPr>
+        <p:style>
+          <a:lnRef idx="1">
+            <a:schemeClr val="accent1"/>
+          </a:lnRef>
+          <a:fillRef idx="0">
+            <a:schemeClr val="accent1"/>
+          </a:fillRef>
+          <a:effectRef idx="0">
+            <a:schemeClr val="accent1"/>
+          </a:effectRef>
+          <a:fontRef idx="minor">
+            <a:schemeClr val="tx1"/>
+          </a:fontRef>
+        </p:style>
+      </p:cxnSp>
+      <p:cxnSp>
+        <p:nvCxnSpPr>
+          <p:cNvPr id="20" name="Straight Connector 19"/>
+          <p:cNvCxnSpPr/>
+          <p:nvPr/>
+        </p:nvCxnSpPr>
+        <p:spPr>
+          <a:xfrm>
+            <a:off x="4191000" y="3429000"/>
+            <a:ext cx="0" cy="3267670"/>
+          </a:xfrm>
+          <a:prstGeom prst="line">
+            <a:avLst/>
+          </a:prstGeom>
+          <a:ln w="19050">
+            <a:solidFill>
+              <a:srgbClr val="FF0000"/>
+            </a:solidFill>
+          </a:ln>
+        </p:spPr>
+        <p:style>
+          <a:lnRef idx="1">
+            <a:schemeClr val="accent1"/>
+          </a:lnRef>
+          <a:fillRef idx="0">
+            <a:schemeClr val="accent1"/>
+          </a:fillRef>
+          <a:effectRef idx="0">
+            <a:schemeClr val="accent1"/>
+          </a:effectRef>
+          <a:fontRef idx="minor">
+            <a:schemeClr val="tx1"/>
+          </a:fontRef>
+        </p:style>
+      </p:cxnSp>
+      <p:cxnSp>
+        <p:nvCxnSpPr>
+          <p:cNvPr id="21" name="Straight Connector 20"/>
+          <p:cNvCxnSpPr/>
+          <p:nvPr/>
+        </p:nvCxnSpPr>
+        <p:spPr>
+          <a:xfrm>
+            <a:off x="4495800" y="3429000"/>
+            <a:ext cx="0" cy="3267670"/>
+          </a:xfrm>
+          <a:prstGeom prst="line">
+            <a:avLst/>
+          </a:prstGeom>
+          <a:ln w="19050">
+            <a:solidFill>
+              <a:srgbClr val="FF0000"/>
+            </a:solidFill>
+          </a:ln>
+        </p:spPr>
+        <p:style>
+          <a:lnRef idx="1">
+            <a:schemeClr val="accent1"/>
+          </a:lnRef>
+          <a:fillRef idx="0">
+            <a:schemeClr val="accent1"/>
+          </a:fillRef>
+          <a:effectRef idx="0">
+            <a:schemeClr val="accent1"/>
+          </a:effectRef>
+          <a:fontRef idx="minor">
+            <a:schemeClr val="tx1"/>
+          </a:fontRef>
+        </p:style>
+      </p:cxnSp>
+      <p:cxnSp>
+        <p:nvCxnSpPr>
+          <p:cNvPr id="22" name="Straight Connector 21"/>
+          <p:cNvCxnSpPr/>
+          <p:nvPr/>
+        </p:nvCxnSpPr>
+        <p:spPr>
+          <a:xfrm>
+            <a:off x="5105400" y="3429000"/>
+            <a:ext cx="0" cy="3267670"/>
+          </a:xfrm>
+          <a:prstGeom prst="line">
+            <a:avLst/>
+          </a:prstGeom>
+          <a:ln w="19050">
+            <a:solidFill>
+              <a:srgbClr val="FF0000"/>
+            </a:solidFill>
+          </a:ln>
+        </p:spPr>
+        <p:style>
+          <a:lnRef idx="1">
+            <a:schemeClr val="accent1"/>
+          </a:lnRef>
+          <a:fillRef idx="0">
+            <a:schemeClr val="accent1"/>
+          </a:fillRef>
+          <a:effectRef idx="0">
+            <a:schemeClr val="accent1"/>
+          </a:effectRef>
+          <a:fontRef idx="minor">
+            <a:schemeClr val="tx1"/>
+          </a:fontRef>
+        </p:style>
+      </p:cxnSp>
+      <p:cxnSp>
+        <p:nvCxnSpPr>
+          <p:cNvPr id="23" name="Straight Connector 22"/>
+          <p:cNvCxnSpPr/>
+          <p:nvPr/>
+        </p:nvCxnSpPr>
+        <p:spPr>
+          <a:xfrm>
+            <a:off x="5334000" y="3429000"/>
+            <a:ext cx="0" cy="3267670"/>
+          </a:xfrm>
+          <a:prstGeom prst="line">
+            <a:avLst/>
+          </a:prstGeom>
+          <a:ln w="19050">
+            <a:solidFill>
+              <a:srgbClr val="FF0000"/>
+            </a:solidFill>
+          </a:ln>
+        </p:spPr>
+        <p:style>
+          <a:lnRef idx="1">
+            <a:schemeClr val="accent1"/>
+          </a:lnRef>
+          <a:fillRef idx="0">
+            <a:schemeClr val="accent1"/>
+          </a:fillRef>
+          <a:effectRef idx="0">
+            <a:schemeClr val="accent1"/>
+          </a:effectRef>
+          <a:fontRef idx="minor">
+            <a:schemeClr val="tx1"/>
+          </a:fontRef>
+        </p:style>
+      </p:cxnSp>
+      <p:cxnSp>
+        <p:nvCxnSpPr>
+          <p:cNvPr id="24" name="Straight Connector 23"/>
+          <p:cNvCxnSpPr/>
+          <p:nvPr/>
+        </p:nvCxnSpPr>
+        <p:spPr>
+          <a:xfrm>
+            <a:off x="5638800" y="3429000"/>
+            <a:ext cx="0" cy="3267670"/>
+          </a:xfrm>
+          <a:prstGeom prst="line">
+            <a:avLst/>
+          </a:prstGeom>
+          <a:ln w="19050">
+            <a:solidFill>
+              <a:srgbClr val="FF0000"/>
+            </a:solidFill>
+          </a:ln>
+        </p:spPr>
+        <p:style>
+          <a:lnRef idx="1">
+            <a:schemeClr val="accent1"/>
+          </a:lnRef>
+          <a:fillRef idx="0">
+            <a:schemeClr val="accent1"/>
+          </a:fillRef>
+          <a:effectRef idx="0">
+            <a:schemeClr val="accent1"/>
+          </a:effectRef>
+          <a:fontRef idx="minor">
+            <a:schemeClr val="tx1"/>
+          </a:fontRef>
+        </p:style>
+      </p:cxnSp>
+      <p:cxnSp>
+        <p:nvCxnSpPr>
+          <p:cNvPr id="25" name="Straight Connector 24"/>
+          <p:cNvCxnSpPr/>
+          <p:nvPr/>
+        </p:nvCxnSpPr>
+        <p:spPr>
+          <a:xfrm>
+            <a:off x="5943600" y="3429000"/>
+            <a:ext cx="0" cy="3267670"/>
+          </a:xfrm>
+          <a:prstGeom prst="line">
+            <a:avLst/>
+          </a:prstGeom>
+          <a:ln w="19050">
+            <a:solidFill>
+              <a:srgbClr val="FF0000"/>
+            </a:solidFill>
+          </a:ln>
+        </p:spPr>
+        <p:style>
+          <a:lnRef idx="1">
+            <a:schemeClr val="accent1"/>
+          </a:lnRef>
+          <a:fillRef idx="0">
+            <a:schemeClr val="accent1"/>
+          </a:fillRef>
+          <a:effectRef idx="0">
+            <a:schemeClr val="accent1"/>
+          </a:effectRef>
+          <a:fontRef idx="minor">
+            <a:schemeClr val="tx1"/>
+          </a:fontRef>
+        </p:style>
+      </p:cxnSp>
+      <p:cxnSp>
+        <p:nvCxnSpPr>
+          <p:cNvPr id="26" name="Straight Connector 25"/>
+          <p:cNvCxnSpPr/>
+          <p:nvPr/>
+        </p:nvCxnSpPr>
+        <p:spPr>
+          <a:xfrm>
+            <a:off x="6172200" y="3429000"/>
+            <a:ext cx="0" cy="3267670"/>
+          </a:xfrm>
+          <a:prstGeom prst="line">
+            <a:avLst/>
+          </a:prstGeom>
+          <a:ln w="19050">
+            <a:solidFill>
+              <a:srgbClr val="FF0000"/>
+            </a:solidFill>
+          </a:ln>
+        </p:spPr>
+        <p:style>
+          <a:lnRef idx="1">
+            <a:schemeClr val="accent1"/>
+          </a:lnRef>
+          <a:fillRef idx="0">
+            <a:schemeClr val="accent1"/>
+          </a:fillRef>
+          <a:effectRef idx="0">
+            <a:schemeClr val="accent1"/>
+          </a:effectRef>
+          <a:fontRef idx="minor">
+            <a:schemeClr val="tx1"/>
+          </a:fontRef>
+        </p:style>
+      </p:cxnSp>
+      <p:cxnSp>
+        <p:nvCxnSpPr>
+          <p:cNvPr id="27" name="Straight Connector 26"/>
+          <p:cNvCxnSpPr/>
+          <p:nvPr/>
+        </p:nvCxnSpPr>
+        <p:spPr>
+          <a:xfrm>
+            <a:off x="6477000" y="3429000"/>
+            <a:ext cx="0" cy="3267670"/>
+          </a:xfrm>
+          <a:prstGeom prst="line">
+            <a:avLst/>
+          </a:prstGeom>
+          <a:ln w="19050">
+            <a:solidFill>
+              <a:srgbClr val="FF0000"/>
+            </a:solidFill>
+          </a:ln>
+        </p:spPr>
+        <p:style>
+          <a:lnRef idx="1">
+            <a:schemeClr val="accent1"/>
+          </a:lnRef>
+          <a:fillRef idx="0">
+            <a:schemeClr val="accent1"/>
+          </a:fillRef>
+          <a:effectRef idx="0">
+            <a:schemeClr val="accent1"/>
+          </a:effectRef>
+          <a:fontRef idx="minor">
+            <a:schemeClr val="tx1"/>
+          </a:fontRef>
+        </p:style>
+      </p:cxnSp>
+      <p:cxnSp>
+        <p:nvCxnSpPr>
+          <p:cNvPr id="28" name="Straight Connector 27"/>
+          <p:cNvCxnSpPr/>
+          <p:nvPr/>
+        </p:nvCxnSpPr>
+        <p:spPr>
+          <a:xfrm>
+            <a:off x="6781800" y="3429000"/>
+            <a:ext cx="0" cy="3267670"/>
+          </a:xfrm>
+          <a:prstGeom prst="line">
+            <a:avLst/>
+          </a:prstGeom>
+          <a:ln w="19050">
+            <a:solidFill>
+              <a:srgbClr val="FF0000"/>
+            </a:solidFill>
+          </a:ln>
+        </p:spPr>
+        <p:style>
+          <a:lnRef idx="1">
+            <a:schemeClr val="accent1"/>
+          </a:lnRef>
+          <a:fillRef idx="0">
+            <a:schemeClr val="accent1"/>
+          </a:fillRef>
+          <a:effectRef idx="0">
+            <a:schemeClr val="accent1"/>
+          </a:effectRef>
+          <a:fontRef idx="minor">
+            <a:schemeClr val="tx1"/>
+          </a:fontRef>
+        </p:style>
+      </p:cxnSp>
+      <p:cxnSp>
+        <p:nvCxnSpPr>
+          <p:cNvPr id="29" name="Straight Connector 28"/>
+          <p:cNvCxnSpPr/>
+          <p:nvPr/>
+        </p:nvCxnSpPr>
+        <p:spPr>
+          <a:xfrm>
+            <a:off x="7086600" y="3437930"/>
+            <a:ext cx="0" cy="3267670"/>
+          </a:xfrm>
+          <a:prstGeom prst="line">
+            <a:avLst/>
+          </a:prstGeom>
+          <a:ln w="19050">
+            <a:solidFill>
+              <a:srgbClr val="FF0000"/>
+            </a:solidFill>
+          </a:ln>
+        </p:spPr>
+        <p:style>
+          <a:lnRef idx="1">
+            <a:schemeClr val="accent1"/>
+          </a:lnRef>
+          <a:fillRef idx="0">
+            <a:schemeClr val="accent1"/>
+          </a:fillRef>
+          <a:effectRef idx="0">
+            <a:schemeClr val="accent1"/>
+          </a:effectRef>
+          <a:fontRef idx="minor">
+            <a:schemeClr val="tx1"/>
+          </a:fontRef>
+        </p:style>
+      </p:cxnSp>
+      <p:cxnSp>
+        <p:nvCxnSpPr>
+          <p:cNvPr id="30" name="Straight Connector 29"/>
+          <p:cNvCxnSpPr/>
+          <p:nvPr/>
+        </p:nvCxnSpPr>
+        <p:spPr>
+          <a:xfrm>
+            <a:off x="7391400" y="3429000"/>
+            <a:ext cx="0" cy="3267670"/>
+          </a:xfrm>
+          <a:prstGeom prst="line">
+            <a:avLst/>
+          </a:prstGeom>
+          <a:ln w="19050">
+            <a:solidFill>
+              <a:srgbClr val="FF0000"/>
+            </a:solidFill>
+          </a:ln>
+        </p:spPr>
+        <p:style>
+          <a:lnRef idx="1">
+            <a:schemeClr val="accent1"/>
+          </a:lnRef>
+          <a:fillRef idx="0">
+            <a:schemeClr val="accent1"/>
+          </a:fillRef>
+          <a:effectRef idx="0">
+            <a:schemeClr val="accent1"/>
+          </a:effectRef>
+          <a:fontRef idx="minor">
+            <a:schemeClr val="tx1"/>
+          </a:fontRef>
+        </p:style>
+      </p:cxnSp>
+      <p:cxnSp>
+        <p:nvCxnSpPr>
+          <p:cNvPr id="31" name="Straight Connector 30"/>
+          <p:cNvCxnSpPr/>
+          <p:nvPr/>
+        </p:nvCxnSpPr>
+        <p:spPr>
+          <a:xfrm>
+            <a:off x="7620000" y="3429000"/>
+            <a:ext cx="0" cy="3267670"/>
+          </a:xfrm>
+          <a:prstGeom prst="line">
+            <a:avLst/>
+          </a:prstGeom>
+          <a:ln w="19050">
+            <a:solidFill>
+              <a:srgbClr val="FF0000"/>
+            </a:solidFill>
+          </a:ln>
+        </p:spPr>
+        <p:style>
+          <a:lnRef idx="1">
+            <a:schemeClr val="accent1"/>
+          </a:lnRef>
+          <a:fillRef idx="0">
+            <a:schemeClr val="accent1"/>
+          </a:fillRef>
+          <a:effectRef idx="0">
+            <a:schemeClr val="accent1"/>
+          </a:effectRef>
+          <a:fontRef idx="minor">
+            <a:schemeClr val="tx1"/>
+          </a:fontRef>
+        </p:style>
+      </p:cxnSp>
+      <p:cxnSp>
+        <p:nvCxnSpPr>
+          <p:cNvPr id="32" name="Straight Connector 31"/>
+          <p:cNvCxnSpPr/>
+          <p:nvPr/>
+        </p:nvCxnSpPr>
+        <p:spPr>
+          <a:xfrm>
+            <a:off x="7848600" y="3429000"/>
+            <a:ext cx="0" cy="3267670"/>
+          </a:xfrm>
+          <a:prstGeom prst="line">
+            <a:avLst/>
+          </a:prstGeom>
+          <a:ln w="19050">
+            <a:solidFill>
+              <a:srgbClr val="FF0000"/>
+            </a:solidFill>
+          </a:ln>
+        </p:spPr>
+        <p:style>
+          <a:lnRef idx="1">
+            <a:schemeClr val="accent1"/>
+          </a:lnRef>
+          <a:fillRef idx="0">
+            <a:schemeClr val="accent1"/>
+          </a:fillRef>
+          <a:effectRef idx="0">
+            <a:schemeClr val="accent1"/>
+          </a:effectRef>
+          <a:fontRef idx="minor">
+            <a:schemeClr val="tx1"/>
+          </a:fontRef>
+        </p:style>
+      </p:cxnSp>
+      <p:cxnSp>
+        <p:nvCxnSpPr>
+          <p:cNvPr id="33" name="Straight Connector 32"/>
+          <p:cNvCxnSpPr/>
+          <p:nvPr/>
+        </p:nvCxnSpPr>
+        <p:spPr>
+          <a:xfrm>
+            <a:off x="8077200" y="3429000"/>
+            <a:ext cx="0" cy="3267670"/>
+          </a:xfrm>
+          <a:prstGeom prst="line">
+            <a:avLst/>
+          </a:prstGeom>
+          <a:ln w="19050">
+            <a:solidFill>
+              <a:srgbClr val="FF0000"/>
+            </a:solidFill>
+          </a:ln>
+        </p:spPr>
+        <p:style>
+          <a:lnRef idx="1">
+            <a:schemeClr val="accent1"/>
+          </a:lnRef>
+          <a:fillRef idx="0">
+            <a:schemeClr val="accent1"/>
+          </a:fillRef>
+          <a:effectRef idx="0">
+            <a:schemeClr val="accent1"/>
+          </a:effectRef>
+          <a:fontRef idx="minor">
+            <a:schemeClr val="tx1"/>
+          </a:fontRef>
+        </p:style>
+      </p:cxnSp>
+      <p:cxnSp>
+        <p:nvCxnSpPr>
+          <p:cNvPr id="34" name="Straight Connector 33"/>
+          <p:cNvCxnSpPr/>
+          <p:nvPr/>
+        </p:nvCxnSpPr>
+        <p:spPr>
+          <a:xfrm>
+            <a:off x="8229600" y="3429000"/>
+            <a:ext cx="0" cy="3267670"/>
+          </a:xfrm>
+          <a:prstGeom prst="line">
+            <a:avLst/>
+          </a:prstGeom>
+          <a:ln w="19050">
+            <a:solidFill>
+              <a:srgbClr val="FF0000"/>
+            </a:solidFill>
+          </a:ln>
+        </p:spPr>
+        <p:style>
+          <a:lnRef idx="1">
+            <a:schemeClr val="accent1"/>
+          </a:lnRef>
+          <a:fillRef idx="0">
+            <a:schemeClr val="accent1"/>
+          </a:fillRef>
+          <a:effectRef idx="0">
+            <a:schemeClr val="accent1"/>
+          </a:effectRef>
+          <a:fontRef idx="minor">
+            <a:schemeClr val="tx1"/>
+          </a:fontRef>
+        </p:style>
+      </p:cxnSp>
+      <p:cxnSp>
+        <p:nvCxnSpPr>
+          <p:cNvPr id="35" name="Straight Connector 34"/>
+          <p:cNvCxnSpPr/>
+          <p:nvPr/>
+        </p:nvCxnSpPr>
+        <p:spPr>
+          <a:xfrm>
+            <a:off x="8382000" y="3429000"/>
+            <a:ext cx="0" cy="3267670"/>
+          </a:xfrm>
+          <a:prstGeom prst="line">
+            <a:avLst/>
+          </a:prstGeom>
+          <a:ln w="19050">
+            <a:solidFill>
+              <a:srgbClr val="FF0000"/>
+            </a:solidFill>
+          </a:ln>
+        </p:spPr>
+        <p:style>
+          <a:lnRef idx="1">
+            <a:schemeClr val="accent1"/>
+          </a:lnRef>
+          <a:fillRef idx="0">
+            <a:schemeClr val="accent1"/>
+          </a:fillRef>
+          <a:effectRef idx="0">
+            <a:schemeClr val="accent1"/>
+          </a:effectRef>
+          <a:fontRef idx="minor">
+            <a:schemeClr val="tx1"/>
+          </a:fontRef>
+        </p:style>
+      </p:cxnSp>
+      <p:cxnSp>
+        <p:nvCxnSpPr>
+          <p:cNvPr id="36" name="Straight Connector 35"/>
+          <p:cNvCxnSpPr/>
+          <p:nvPr/>
+        </p:nvCxnSpPr>
+        <p:spPr>
+          <a:xfrm>
+            <a:off x="8534400" y="3437930"/>
+            <a:ext cx="0" cy="3267670"/>
+          </a:xfrm>
+          <a:prstGeom prst="line">
+            <a:avLst/>
+          </a:prstGeom>
+          <a:ln w="19050">
+            <a:solidFill>
+              <a:srgbClr val="FF0000"/>
+            </a:solidFill>
+          </a:ln>
+        </p:spPr>
+        <p:style>
+          <a:lnRef idx="1">
+            <a:schemeClr val="accent1"/>
+          </a:lnRef>
+          <a:fillRef idx="0">
+            <a:schemeClr val="accent1"/>
+          </a:fillRef>
+          <a:effectRef idx="0">
+            <a:schemeClr val="accent1"/>
+          </a:effectRef>
+          <a:fontRef idx="minor">
+            <a:schemeClr val="tx1"/>
+          </a:fontRef>
+        </p:style>
+      </p:cxnSp>
+      <p:sp>
+        <p:nvSpPr>
+          <p:cNvPr id="8" name="Rectangle 7"/>
+          <p:cNvSpPr/>
+          <p:nvPr/>
+        </p:nvSpPr>
+        <p:spPr>
+          <a:xfrm>
+            <a:off x="781050" y="3429000"/>
+            <a:ext cx="3886200" cy="228600"/>
+          </a:xfrm>
+          <a:prstGeom prst="rect">
+            <a:avLst/>
+          </a:prstGeom>
+          <a:solidFill>
+            <a:schemeClr val="bg1"/>
+          </a:solidFill>
+          <a:ln>
+            <a:noFill/>
+          </a:ln>
+        </p:spPr>
+        <p:style>
+          <a:lnRef idx="2">
+            <a:schemeClr val="accent1">
+              <a:shade val="50000"/>
+            </a:schemeClr>
+          </a:lnRef>
+          <a:fillRef idx="1">
+            <a:schemeClr val="accent1"/>
+          </a:fillRef>
+          <a:effectRef idx="0">
+            <a:schemeClr val="accent1"/>
+          </a:effectRef>
+          <a:fontRef idx="minor">
+            <a:schemeClr val="lt1"/>
+          </a:fontRef>
+        </p:style>
+        <p:txBody>
+          <a:bodyPr rtlCol="0" anchor="ctr"/>
+          <a:lstStyle/>
+          <a:p>
+            <a:pPr algn="ctr"/>
+            <a:endParaRPr lang="en-US"/>
+          </a:p>
+        </p:txBody>
+      </p:sp>
+      <p:sp>
+        <p:nvSpPr>
+          <p:cNvPr id="38" name="Rectangle 37"/>
+          <p:cNvSpPr/>
+          <p:nvPr/>
+        </p:nvSpPr>
+        <p:spPr>
+          <a:xfrm>
+            <a:off x="5029200" y="3429000"/>
+            <a:ext cx="3886200" cy="228600"/>
+          </a:xfrm>
+          <a:prstGeom prst="rect">
+            <a:avLst/>
+          </a:prstGeom>
+          <a:solidFill>
+            <a:schemeClr val="bg1"/>
+          </a:solidFill>
+          <a:ln>
+            <a:noFill/>
+          </a:ln>
+        </p:spPr>
+        <p:style>
+          <a:lnRef idx="2">
+            <a:schemeClr val="accent1">
+              <a:shade val="50000"/>
+            </a:schemeClr>
+          </a:lnRef>
+          <a:fillRef idx="1">
+            <a:schemeClr val="accent1"/>
+          </a:fillRef>
+          <a:effectRef idx="0">
+            <a:schemeClr val="accent1"/>
+          </a:effectRef>
+          <a:fontRef idx="minor">
+            <a:schemeClr val="lt1"/>
+          </a:fontRef>
+        </p:style>
+        <p:txBody>
+          <a:bodyPr rtlCol="0" anchor="ctr"/>
+          <a:lstStyle/>
+          <a:p>
+            <a:pPr algn="ctr"/>
+            <a:endParaRPr lang="en-US"/>
+          </a:p>
+        </p:txBody>
+      </p:sp>
+      <p:sp>
+        <p:nvSpPr>
+          <p:cNvPr id="39" name="Rectangle 38"/>
+          <p:cNvSpPr/>
+          <p:nvPr/>
+        </p:nvSpPr>
+        <p:spPr>
+          <a:xfrm>
+            <a:off x="781050" y="6572250"/>
+            <a:ext cx="3886200" cy="228600"/>
+          </a:xfrm>
+          <a:prstGeom prst="rect">
+            <a:avLst/>
+          </a:prstGeom>
+          <a:solidFill>
+            <a:schemeClr val="bg1"/>
+          </a:solidFill>
+          <a:ln>
+            <a:noFill/>
+          </a:ln>
+        </p:spPr>
+        <p:style>
+          <a:lnRef idx="2">
+            <a:schemeClr val="accent1">
+              <a:shade val="50000"/>
+            </a:schemeClr>
+          </a:lnRef>
+          <a:fillRef idx="1">
+            <a:schemeClr val="accent1"/>
+          </a:fillRef>
+          <a:effectRef idx="0">
+            <a:schemeClr val="accent1"/>
+          </a:effectRef>
+          <a:fontRef idx="minor">
+            <a:schemeClr val="lt1"/>
+          </a:fontRef>
+        </p:style>
+        <p:txBody>
+          <a:bodyPr rtlCol="0" anchor="ctr"/>
+          <a:lstStyle/>
+          <a:p>
+            <a:pPr algn="ctr"/>
+            <a:endParaRPr lang="en-US"/>
+          </a:p>
+        </p:txBody>
+      </p:sp>
+      <p:sp>
+        <p:nvSpPr>
+          <p:cNvPr id="40" name="Rectangle 39"/>
+          <p:cNvSpPr/>
+          <p:nvPr/>
+        </p:nvSpPr>
+        <p:spPr>
+          <a:xfrm>
+            <a:off x="5029200" y="6572250"/>
+            <a:ext cx="3886200" cy="228600"/>
+          </a:xfrm>
+          <a:prstGeom prst="rect">
+            <a:avLst/>
+          </a:prstGeom>
+          <a:solidFill>
+            <a:schemeClr val="bg1"/>
+          </a:solidFill>
+          <a:ln>
+            <a:noFill/>
+          </a:ln>
+        </p:spPr>
+        <p:style>
+          <a:lnRef idx="2">
+            <a:schemeClr val="accent1">
+              <a:shade val="50000"/>
+            </a:schemeClr>
+          </a:lnRef>
+          <a:fillRef idx="1">
+            <a:schemeClr val="accent1"/>
+          </a:fillRef>
+          <a:effectRef idx="0">
+            <a:schemeClr val="accent1"/>
+          </a:effectRef>
+          <a:fontRef idx="minor">
+            <a:schemeClr val="lt1"/>
+          </a:fontRef>
+        </p:style>
+        <p:txBody>
+          <a:bodyPr rtlCol="0" anchor="ctr"/>
+          <a:lstStyle/>
+          <a:p>
+            <a:pPr algn="ctr"/>
+            <a:endParaRPr lang="en-US"/>
+          </a:p>
+        </p:txBody>
+      </p:sp>
+    </p:spTree>
+    <p:extLst>
+      <p:ext uri="{BB962C8B-B14F-4D97-AF65-F5344CB8AC3E}">
+        <p14:creationId xmlns:p14="http://schemas.microsoft.com/office/powerpoint/2010/main" val="2315465680"/>
       </p:ext>
     </p:extLst>
   </p:cSld>
